--- a/Documentation/Eatfit.pptx
+++ b/Documentation/Eatfit.pptx
@@ -11828,7 +11828,7 @@
       <dgm:prSet/>
       <dgm:spPr>
         <a:solidFill>
-          <a:schemeClr val="bg1"/>
+          <a:schemeClr val="accent2"/>
         </a:solidFill>
       </dgm:spPr>
       <dgm:t>
@@ -15830,7 +15830,7 @@
       <dgm:prSet/>
       <dgm:spPr>
         <a:solidFill>
-          <a:schemeClr val="bg1"/>
+          <a:schemeClr val="accent2"/>
         </a:solidFill>
       </dgm:spPr>
       <dgm:t>
@@ -16114,7 +16114,7 @@
       <dgm:prSet/>
       <dgm:spPr>
         <a:solidFill>
-          <a:schemeClr val="bg1"/>
+          <a:schemeClr val="accent2"/>
         </a:solidFill>
       </dgm:spPr>
       <dgm:t>
@@ -16398,7 +16398,7 @@
       <dgm:prSet/>
       <dgm:spPr>
         <a:solidFill>
-          <a:schemeClr val="bg1"/>
+          <a:schemeClr val="accent2"/>
         </a:solidFill>
       </dgm:spPr>
       <dgm:t>
@@ -17868,7 +17868,7 @@
           </a:avLst>
         </a:prstGeom>
         <a:solidFill>
-          <a:schemeClr val="bg1"/>
+          <a:schemeClr val="accent2"/>
         </a:solidFill>
         <a:ln>
           <a:noFill/>
@@ -23743,7 +23743,7 @@
           </a:avLst>
         </a:prstGeom>
         <a:solidFill>
-          <a:schemeClr val="bg1"/>
+          <a:schemeClr val="accent2"/>
         </a:solidFill>
         <a:ln>
           <a:noFill/>
@@ -24356,7 +24356,7 @@
           </a:avLst>
         </a:prstGeom>
         <a:solidFill>
-          <a:schemeClr val="bg1"/>
+          <a:schemeClr val="accent2"/>
         </a:solidFill>
         <a:ln>
           <a:noFill/>
@@ -24969,7 +24969,7 @@
           </a:avLst>
         </a:prstGeom>
         <a:solidFill>
-          <a:schemeClr val="bg1"/>
+          <a:schemeClr val="accent2"/>
         </a:solidFill>
         <a:ln>
           <a:noFill/>
@@ -41532,7 +41532,7 @@
           <a:p>
             <a:fld id="{F71AC1AB-9922-4AA4-A686-C843DAACB598}" type="datetimeFigureOut">
               <a:rPr lang="fr-CH" smtClean="0"/>
-              <a:t>04.06.2023</a:t>
+              <a:t>05.06.2023</a:t>
             </a:fld>
             <a:endParaRPr lang="fr-CH"/>
           </a:p>
@@ -43031,7 +43031,7 @@
           <a:p>
             <a:fld id="{E25DE2EA-0AD7-410D-881E-C42038A027ED}" type="datetime1">
               <a:rPr lang="en-US" smtClean="0"/>
-              <a:t>6/4/2023</a:t>
+              <a:t>6/5/2023</a:t>
             </a:fld>
             <a:endParaRPr lang="en-US" dirty="0"/>
           </a:p>
@@ -43244,7 +43244,7 @@
           <a:p>
             <a:fld id="{2166F552-B24C-4C5C-AD38-6F58B7F185CA}" type="datetime1">
               <a:rPr lang="en-US" smtClean="0"/>
-              <a:t>6/4/2023</a:t>
+              <a:t>6/5/2023</a:t>
             </a:fld>
             <a:endParaRPr lang="en-US" dirty="0"/>
           </a:p>
@@ -43505,7 +43505,7 @@
           <a:p>
             <a:fld id="{279C8F96-0936-4505-8B3B-494EA9B51CA4}" type="datetime1">
               <a:rPr lang="en-US" smtClean="0"/>
-              <a:t>6/4/2023</a:t>
+              <a:t>6/5/2023</a:t>
             </a:fld>
             <a:endParaRPr lang="en-US" dirty="0"/>
           </a:p>
@@ -43684,7 +43684,7 @@
           <a:p>
             <a:fld id="{441C6563-827F-4843-A2B2-F6E3269A8638}" type="datetime1">
               <a:rPr lang="en-US" smtClean="0"/>
-              <a:t>6/4/2023</a:t>
+              <a:t>6/5/2023</a:t>
             </a:fld>
             <a:endParaRPr lang="en-US" dirty="0"/>
           </a:p>
@@ -44032,7 +44032,7 @@
           <a:p>
             <a:fld id="{9EE3F751-7652-46CD-B96F-D7E975FD0FF4}" type="datetime1">
               <a:rPr lang="en-US" smtClean="0"/>
-              <a:t>6/4/2023</a:t>
+              <a:t>6/5/2023</a:t>
             </a:fld>
             <a:endParaRPr lang="en-US" dirty="0"/>
           </a:p>
@@ -44312,7 +44312,7 @@
           <a:p>
             <a:fld id="{4724D1BC-3201-4D7A-B3B8-5C48D6F5ECD9}" type="datetime1">
               <a:rPr lang="en-US" smtClean="0"/>
-              <a:t>6/4/2023</a:t>
+              <a:t>6/5/2023</a:t>
             </a:fld>
             <a:endParaRPr lang="en-US" dirty="0"/>
           </a:p>
@@ -44696,7 +44696,7 @@
           <a:p>
             <a:fld id="{826F7626-329F-4D86-8614-ADAD26B5079C}" type="datetime1">
               <a:rPr lang="en-US" smtClean="0"/>
-              <a:t>6/4/2023</a:t>
+              <a:t>6/5/2023</a:t>
             </a:fld>
             <a:endParaRPr lang="en-US" dirty="0"/>
           </a:p>
@@ -44819,7 +44819,7 @@
           <a:p>
             <a:fld id="{B4CCD111-590F-4A8C-8DE5-0AFBEF955A72}" type="datetime1">
               <a:rPr lang="en-US" smtClean="0"/>
-              <a:t>6/4/2023</a:t>
+              <a:t>6/5/2023</a:t>
             </a:fld>
             <a:endParaRPr lang="en-US" dirty="0"/>
           </a:p>
@@ -44995,7 +44995,7 @@
           <a:p>
             <a:fld id="{05BDFC45-8718-4B67-A695-9FDFE0141584}" type="datetime1">
               <a:rPr lang="en-US" smtClean="0"/>
-              <a:t>6/4/2023</a:t>
+              <a:t>6/5/2023</a:t>
             </a:fld>
             <a:endParaRPr lang="en-US" dirty="0"/>
           </a:p>
@@ -45354,7 +45354,7 @@
           <a:p>
             <a:fld id="{288181FA-6684-4D14-828E-3743AA949025}" type="datetime1">
               <a:rPr lang="en-US" smtClean="0"/>
-              <a:t>6/4/2023</a:t>
+              <a:t>6/5/2023</a:t>
             </a:fld>
             <a:endParaRPr lang="en-US" dirty="0"/>
           </a:p>
@@ -45741,7 +45741,7 @@
           <a:p>
             <a:fld id="{21F128BE-4BF1-4721-AE59-02F2B8C02C00}" type="datetime1">
               <a:rPr lang="en-US" smtClean="0"/>
-              <a:t>6/4/2023</a:t>
+              <a:t>6/5/2023</a:t>
             </a:fld>
             <a:endParaRPr lang="en-US" dirty="0"/>
           </a:p>
@@ -46033,7 +46033,7 @@
           <a:p>
             <a:fld id="{00DC1437-3858-42CC-8E0A-F9DC20DD9C79}" type="datetime1">
               <a:rPr lang="en-US" smtClean="0"/>
-              <a:t>6/4/2023</a:t>
+              <a:t>6/5/2023</a:t>
             </a:fld>
             <a:endParaRPr lang="en-US" dirty="0"/>
           </a:p>
@@ -49804,7 +49804,7 @@
           <p:nvPr>
             <p:extLst>
               <p:ext uri="{D42A27DB-BD31-4B8C-83A1-F6EECF244321}">
-                <p14:modId xmlns:p14="http://schemas.microsoft.com/office/powerpoint/2010/main" val="341286739"/>
+                <p14:modId xmlns:p14="http://schemas.microsoft.com/office/powerpoint/2010/main" val="2663394043"/>
               </p:ext>
             </p:extLst>
           </p:nvPr>
@@ -51069,7 +51069,7 @@
           <p:nvPr>
             <p:extLst>
               <p:ext uri="{D42A27DB-BD31-4B8C-83A1-F6EECF244321}">
-                <p14:modId xmlns:p14="http://schemas.microsoft.com/office/powerpoint/2010/main" val="3158554565"/>
+                <p14:modId xmlns:p14="http://schemas.microsoft.com/office/powerpoint/2010/main" val="324069840"/>
               </p:ext>
             </p:extLst>
           </p:nvPr>
@@ -51166,8 +51166,8 @@
         </p:blipFill>
         <p:spPr>
           <a:xfrm>
-            <a:off x="1014730" y="2227381"/>
-            <a:ext cx="5812531" cy="1400969"/>
+            <a:off x="1014729" y="2119289"/>
+            <a:ext cx="7128374" cy="1718121"/>
           </a:xfrm>
         </p:spPr>
       </p:pic>
@@ -51252,8 +51252,8 @@
         </p:blipFill>
         <p:spPr>
           <a:xfrm>
-            <a:off x="1014730" y="4341793"/>
-            <a:ext cx="4910138" cy="1615387"/>
+            <a:off x="1014729" y="4084841"/>
+            <a:ext cx="7128374" cy="1872340"/>
           </a:xfrm>
           <a:prstGeom prst="rect">
             <a:avLst/>
@@ -51274,7 +51274,7 @@
         </p:nvSpPr>
         <p:spPr>
           <a:xfrm>
-            <a:off x="1014730" y="1806709"/>
+            <a:off x="8237782" y="2141054"/>
             <a:ext cx="1549400" cy="369332"/>
           </a:xfrm>
           <a:prstGeom prst="rect">
@@ -51309,8 +51309,8 @@
         </p:nvSpPr>
         <p:spPr>
           <a:xfrm>
-            <a:off x="1014730" y="3924701"/>
-            <a:ext cx="3290570" cy="369332"/>
+            <a:off x="8143103" y="4175069"/>
+            <a:ext cx="3897512" cy="369332"/>
           </a:xfrm>
           <a:prstGeom prst="rect">
             <a:avLst/>
@@ -52268,231 +52268,6 @@
       </p:grpSpPr>
       <p:sp>
         <p:nvSpPr>
-          <p:cNvPr id="10" name="Rectangle 9">
-            <a:extLst>
-              <a:ext uri="{FF2B5EF4-FFF2-40B4-BE49-F238E27FC236}">
-                <a16:creationId xmlns:a16="http://schemas.microsoft.com/office/drawing/2014/main" id="{4E4490D0-3672-446A-AC12-B4830333BDDD}"/>
-              </a:ext>
-              <a:ext uri="{C183D7F6-B498-43B3-948B-1728B52AA6E4}">
-                <adec:decorative xmlns:adec="http://schemas.microsoft.com/office/drawing/2017/decorative" val="1"/>
-              </a:ext>
-            </a:extLst>
-          </p:cNvPr>
-          <p:cNvSpPr>
-            <a:spLocks noGrp="1" noRot="1" noChangeAspect="1" noMove="1" noResize="1" noEditPoints="1" noAdjustHandles="1" noChangeArrowheads="1" noChangeShapeType="1" noTextEdit="1"/>
-          </p:cNvSpPr>
-          <p:nvPr>
-            <p:extLst>
-              <p:ext uri="{386F3935-93C4-4BCD-93E2-E3B085C9AB24}">
-                <p16:designElem xmlns:p16="http://schemas.microsoft.com/office/powerpoint/2015/main" val="1"/>
-              </p:ext>
-            </p:extLst>
-          </p:nvPr>
-        </p:nvSpPr>
-        <p:spPr>
-          <a:xfrm>
-            <a:off x="3175" y="6400800"/>
-            <a:ext cx="12188825" cy="457200"/>
-          </a:xfrm>
-          <a:prstGeom prst="rect">
-            <a:avLst/>
-          </a:prstGeom>
-          <a:solidFill>
-            <a:schemeClr val="accent2"/>
-          </a:solidFill>
-          <a:ln>
-            <a:noFill/>
-          </a:ln>
-        </p:spPr>
-        <p:style>
-          <a:lnRef idx="2">
-            <a:schemeClr val="accent1">
-              <a:shade val="50000"/>
-            </a:schemeClr>
-          </a:lnRef>
-          <a:fillRef idx="1">
-            <a:schemeClr val="accent1"/>
-          </a:fillRef>
-          <a:effectRef idx="0">
-            <a:schemeClr val="accent1"/>
-          </a:effectRef>
-          <a:fontRef idx="minor">
-            <a:schemeClr val="lt1"/>
-          </a:fontRef>
-        </p:style>
-      </p:sp>
-      <p:sp>
-        <p:nvSpPr>
-          <p:cNvPr id="12" name="Rectangle 11">
-            <a:extLst>
-              <a:ext uri="{FF2B5EF4-FFF2-40B4-BE49-F238E27FC236}">
-                <a16:creationId xmlns:a16="http://schemas.microsoft.com/office/drawing/2014/main" id="{39CB82C2-DF65-4EC1-8280-F201D50F570B}"/>
-              </a:ext>
-              <a:ext uri="{C183D7F6-B498-43B3-948B-1728B52AA6E4}">
-                <adec:decorative xmlns:adec="http://schemas.microsoft.com/office/drawing/2017/decorative" val="1"/>
-              </a:ext>
-            </a:extLst>
-          </p:cNvPr>
-          <p:cNvSpPr>
-            <a:spLocks noGrp="1" noRot="1" noChangeAspect="1" noMove="1" noResize="1" noEditPoints="1" noAdjustHandles="1" noChangeArrowheads="1" noChangeShapeType="1" noTextEdit="1"/>
-          </p:cNvSpPr>
-          <p:nvPr>
-            <p:extLst>
-              <p:ext uri="{386F3935-93C4-4BCD-93E2-E3B085C9AB24}">
-                <p16:designElem xmlns:p16="http://schemas.microsoft.com/office/powerpoint/2015/main" val="1"/>
-              </p:ext>
-            </p:extLst>
-          </p:nvPr>
-        </p:nvSpPr>
-        <p:spPr>
-          <a:xfrm>
-            <a:off x="15" y="6334316"/>
-            <a:ext cx="12188825" cy="64008"/>
-          </a:xfrm>
-          <a:prstGeom prst="rect">
-            <a:avLst/>
-          </a:prstGeom>
-          <a:solidFill>
-            <a:schemeClr val="accent1"/>
-          </a:solidFill>
-          <a:ln>
-            <a:noFill/>
-          </a:ln>
-        </p:spPr>
-        <p:style>
-          <a:lnRef idx="2">
-            <a:schemeClr val="accent1">
-              <a:shade val="50000"/>
-            </a:schemeClr>
-          </a:lnRef>
-          <a:fillRef idx="1">
-            <a:schemeClr val="accent1"/>
-          </a:fillRef>
-          <a:effectRef idx="0">
-            <a:schemeClr val="accent1"/>
-          </a:effectRef>
-          <a:fontRef idx="minor">
-            <a:schemeClr val="lt1"/>
-          </a:fontRef>
-        </p:style>
-      </p:sp>
-      <p:cxnSp>
-        <p:nvCxnSpPr>
-          <p:cNvPr id="14" name="Straight Connector 13">
-            <a:extLst>
-              <a:ext uri="{FF2B5EF4-FFF2-40B4-BE49-F238E27FC236}">
-                <a16:creationId xmlns:a16="http://schemas.microsoft.com/office/drawing/2014/main" id="{7E1D4427-852B-4B37-8E76-0E9F1810BA2A}"/>
-              </a:ext>
-              <a:ext uri="{C183D7F6-B498-43B3-948B-1728B52AA6E4}">
-                <adec:decorative xmlns:adec="http://schemas.microsoft.com/office/drawing/2017/decorative" val="1"/>
-              </a:ext>
-            </a:extLst>
-          </p:cNvPr>
-          <p:cNvCxnSpPr>
-            <a:cxnSpLocks noGrp="1" noRot="1" noChangeAspect="1" noMove="1" noResize="1" noEditPoints="1" noAdjustHandles="1" noChangeArrowheads="1" noChangeShapeType="1"/>
-          </p:cNvCxnSpPr>
-          <p:nvPr>
-            <p:extLst>
-              <p:ext uri="{386F3935-93C4-4BCD-93E2-E3B085C9AB24}">
-                <p16:designElem xmlns:p16="http://schemas.microsoft.com/office/powerpoint/2015/main" val="1"/>
-              </p:ext>
-            </p:extLst>
-          </p:nvPr>
-        </p:nvCxnSpPr>
-        <p:spPr>
-          <a:xfrm>
-            <a:off x="1207658" y="4343400"/>
-            <a:ext cx="9875520" cy="0"/>
-          </a:xfrm>
-          <a:prstGeom prst="line">
-            <a:avLst/>
-          </a:prstGeom>
-          <a:ln w="6350">
-            <a:solidFill>
-              <a:schemeClr val="tx1">
-                <a:lumMod val="50000"/>
-                <a:lumOff val="50000"/>
-              </a:schemeClr>
-            </a:solidFill>
-          </a:ln>
-        </p:spPr>
-        <p:style>
-          <a:lnRef idx="1">
-            <a:schemeClr val="accent1"/>
-          </a:lnRef>
-          <a:fillRef idx="0">
-            <a:schemeClr val="accent1"/>
-          </a:fillRef>
-          <a:effectRef idx="0">
-            <a:schemeClr val="accent1"/>
-          </a:effectRef>
-          <a:fontRef idx="minor">
-            <a:schemeClr val="tx1"/>
-          </a:fontRef>
-        </p:style>
-      </p:cxnSp>
-      <p:sp useBgFill="1">
-        <p:nvSpPr>
-          <p:cNvPr id="16" name="Rectangle 15">
-            <a:extLst>
-              <a:ext uri="{FF2B5EF4-FFF2-40B4-BE49-F238E27FC236}">
-                <a16:creationId xmlns:a16="http://schemas.microsoft.com/office/drawing/2014/main" id="{FA4CD5CB-D209-4D70-8CA4-629731C59219}"/>
-              </a:ext>
-              <a:ext uri="{C183D7F6-B498-43B3-948B-1728B52AA6E4}">
-                <adec:decorative xmlns:adec="http://schemas.microsoft.com/office/drawing/2017/decorative" val="1"/>
-              </a:ext>
-            </a:extLst>
-          </p:cNvPr>
-          <p:cNvSpPr>
-            <a:spLocks noGrp="1" noRot="1" noChangeAspect="1" noMove="1" noResize="1" noEditPoints="1" noAdjustHandles="1" noChangeArrowheads="1" noChangeShapeType="1" noTextEdit="1"/>
-          </p:cNvSpPr>
-          <p:nvPr>
-            <p:extLst>
-              <p:ext uri="{386F3935-93C4-4BCD-93E2-E3B085C9AB24}">
-                <p16:designElem xmlns:p16="http://schemas.microsoft.com/office/powerpoint/2015/main" val="1"/>
-              </p:ext>
-            </p:extLst>
-          </p:nvPr>
-        </p:nvSpPr>
-        <p:spPr>
-          <a:xfrm>
-            <a:off x="0" y="0"/>
-            <a:ext cx="12192001" cy="6334316"/>
-          </a:xfrm>
-          <a:prstGeom prst="rect">
-            <a:avLst/>
-          </a:prstGeom>
-          <a:ln>
-            <a:noFill/>
-          </a:ln>
-        </p:spPr>
-        <p:style>
-          <a:lnRef idx="2">
-            <a:schemeClr val="accent1">
-              <a:shade val="50000"/>
-            </a:schemeClr>
-          </a:lnRef>
-          <a:fillRef idx="1">
-            <a:schemeClr val="accent1"/>
-          </a:fillRef>
-          <a:effectRef idx="0">
-            <a:schemeClr val="accent1"/>
-          </a:effectRef>
-          <a:fontRef idx="minor">
-            <a:schemeClr val="lt1"/>
-          </a:fontRef>
-        </p:style>
-        <p:txBody>
-          <a:bodyPr rtlCol="0" anchor="ctr"/>
-          <a:lstStyle/>
-          <a:p>
-            <a:pPr algn="ctr"/>
-            <a:endParaRPr lang="en-US"/>
-          </a:p>
-        </p:txBody>
-      </p:sp>
-      <p:sp>
-        <p:nvSpPr>
           <p:cNvPr id="2" name="Titre 1">
             <a:extLst>
               <a:ext uri="{FF2B5EF4-FFF2-40B4-BE49-F238E27FC236}">
@@ -52507,236 +52282,77 @@
             <p:ph type="title"/>
           </p:nvPr>
         </p:nvSpPr>
-        <p:spPr>
-          <a:xfrm>
-            <a:off x="8141110" y="639097"/>
-            <a:ext cx="3401961" cy="3686015"/>
-          </a:xfrm>
-        </p:spPr>
+        <p:spPr/>
         <p:txBody>
-          <a:bodyPr vert="horz" lIns="91440" tIns="45720" rIns="91440" bIns="45720" rtlCol="0" anchor="b">
-            <a:normAutofit/>
-          </a:bodyPr>
+          <a:bodyPr/>
           <a:lstStyle/>
           <a:p>
             <a:r>
-              <a:rPr lang="en-US" sz="4600" dirty="0">
-                <a:solidFill>
-                  <a:schemeClr val="tx1">
-                    <a:lumMod val="85000"/>
-                    <a:lumOff val="15000"/>
-                  </a:schemeClr>
-                </a:solidFill>
-              </a:rPr>
+              <a:rPr lang="en-US" dirty="0"/>
               <a:t>Differences dans les </a:t>
             </a:r>
             <a:r>
-              <a:rPr lang="fr-CH" sz="4600" dirty="0">
-                <a:solidFill>
-                  <a:schemeClr val="tx1">
-                    <a:lumMod val="85000"/>
-                    <a:lumOff val="15000"/>
-                  </a:schemeClr>
-                </a:solidFill>
-              </a:rPr>
+              <a:rPr lang="fr-CH" dirty="0"/>
               <a:t>planifications</a:t>
             </a:r>
           </a:p>
         </p:txBody>
       </p:sp>
-      <p:pic>
-        <p:nvPicPr>
-          <p:cNvPr id="3" name="Image 2">
+      <p:sp>
+        <p:nvSpPr>
+          <p:cNvPr id="19" name="Espace réservé du contenu 18">
             <a:extLst>
               <a:ext uri="{FF2B5EF4-FFF2-40B4-BE49-F238E27FC236}">
-                <a16:creationId xmlns:a16="http://schemas.microsoft.com/office/drawing/2014/main" id="{0A9C7947-09E2-0857-97F9-25B68131CC18}"/>
-              </a:ext>
-            </a:extLst>
-          </p:cNvPr>
-          <p:cNvPicPr>
-            <a:picLocks noChangeAspect="1"/>
-          </p:cNvPicPr>
-          <p:nvPr/>
-        </p:nvPicPr>
-        <p:blipFill>
-          <a:blip r:embed="rId3"/>
-          <a:stretch>
-            <a:fillRect/>
-          </a:stretch>
-        </p:blipFill>
-        <p:spPr>
-          <a:xfrm>
-            <a:off x="341043" y="275558"/>
-            <a:ext cx="3146211" cy="5054156"/>
-          </a:xfrm>
-          <a:prstGeom prst="rect">
-            <a:avLst/>
-          </a:prstGeom>
-        </p:spPr>
-      </p:pic>
-      <p:cxnSp>
-        <p:nvCxnSpPr>
-          <p:cNvPr id="18" name="Straight Connector 17">
-            <a:extLst>
-              <a:ext uri="{FF2B5EF4-FFF2-40B4-BE49-F238E27FC236}">
-                <a16:creationId xmlns:a16="http://schemas.microsoft.com/office/drawing/2014/main" id="{5C6A2BAE-B461-4B55-8E1F-0722ABDD1393}"/>
-              </a:ext>
-              <a:ext uri="{C183D7F6-B498-43B3-948B-1728B52AA6E4}">
-                <adec:decorative xmlns:adec="http://schemas.microsoft.com/office/drawing/2017/decorative" val="1"/>
-              </a:ext>
-            </a:extLst>
-          </p:cNvPr>
-          <p:cNvCxnSpPr>
-            <a:cxnSpLocks noGrp="1" noRot="1" noChangeAspect="1" noMove="1" noResize="1" noEditPoints="1" noAdjustHandles="1" noChangeArrowheads="1" noChangeShapeType="1"/>
-          </p:cNvCxnSpPr>
-          <p:nvPr>
-            <p:extLst>
-              <p:ext uri="{386F3935-93C4-4BCD-93E2-E3B085C9AB24}">
-                <p16:designElem xmlns:p16="http://schemas.microsoft.com/office/powerpoint/2015/main" val="1"/>
-              </p:ext>
-            </p:extLst>
-          </p:nvPr>
-        </p:nvCxnSpPr>
-        <p:spPr>
-          <a:xfrm>
-            <a:off x="8209305" y="4343400"/>
-            <a:ext cx="3200400" cy="0"/>
-          </a:xfrm>
-          <a:prstGeom prst="line">
-            <a:avLst/>
-          </a:prstGeom>
-          <a:ln w="6350">
-            <a:solidFill>
-              <a:schemeClr val="tx2">
-                <a:alpha val="90000"/>
-              </a:schemeClr>
-            </a:solidFill>
-          </a:ln>
-        </p:spPr>
-        <p:style>
-          <a:lnRef idx="1">
-            <a:schemeClr val="accent1"/>
-          </a:lnRef>
-          <a:fillRef idx="0">
-            <a:schemeClr val="accent1"/>
-          </a:fillRef>
-          <a:effectRef idx="0">
-            <a:schemeClr val="accent1"/>
-          </a:effectRef>
-          <a:fontRef idx="minor">
-            <a:schemeClr val="tx1"/>
-          </a:fontRef>
-        </p:style>
-      </p:cxnSp>
-      <p:sp>
-        <p:nvSpPr>
-          <p:cNvPr id="20" name="Rectangle 19">
-            <a:extLst>
-              <a:ext uri="{FF2B5EF4-FFF2-40B4-BE49-F238E27FC236}">
-                <a16:creationId xmlns:a16="http://schemas.microsoft.com/office/drawing/2014/main" id="{B4C27B90-DF2B-4D00-BA07-18ED774CD2F1}"/>
-              </a:ext>
-              <a:ext uri="{C183D7F6-B498-43B3-948B-1728B52AA6E4}">
-                <adec:decorative xmlns:adec="http://schemas.microsoft.com/office/drawing/2017/decorative" val="1"/>
+                <a16:creationId xmlns:a16="http://schemas.microsoft.com/office/drawing/2014/main" id="{D99DD1B7-571D-C0F7-7A5C-5EDB02A9785A}"/>
               </a:ext>
             </a:extLst>
           </p:cNvPr>
           <p:cNvSpPr>
-            <a:spLocks noGrp="1" noRot="1" noChangeAspect="1" noMove="1" noResize="1" noEditPoints="1" noAdjustHandles="1" noChangeArrowheads="1" noChangeShapeType="1" noTextEdit="1"/>
+            <a:spLocks noGrp="1"/>
           </p:cNvSpPr>
           <p:nvPr>
-            <p:extLst>
-              <p:ext uri="{386F3935-93C4-4BCD-93E2-E3B085C9AB24}">
-                <p16:designElem xmlns:p16="http://schemas.microsoft.com/office/powerpoint/2015/main" val="1"/>
-              </p:ext>
-            </p:extLst>
+            <p:ph sz="half" idx="1"/>
           </p:nvPr>
         </p:nvSpPr>
-        <p:spPr>
-          <a:xfrm>
-            <a:off x="15" y="6334316"/>
-            <a:ext cx="12191985" cy="66484"/>
-          </a:xfrm>
-          <a:prstGeom prst="rect">
-            <a:avLst/>
-          </a:prstGeom>
-          <a:solidFill>
-            <a:schemeClr val="accent1"/>
-          </a:solidFill>
-          <a:ln>
-            <a:noFill/>
-          </a:ln>
-        </p:spPr>
-        <p:style>
-          <a:lnRef idx="2">
-            <a:schemeClr val="accent1">
-              <a:shade val="50000"/>
-            </a:schemeClr>
-          </a:lnRef>
-          <a:fillRef idx="1">
-            <a:schemeClr val="accent1"/>
-          </a:fillRef>
-          <a:effectRef idx="0">
-            <a:schemeClr val="accent1"/>
-          </a:effectRef>
-          <a:fontRef idx="minor">
-            <a:schemeClr val="lt1"/>
-          </a:fontRef>
-        </p:style>
+        <p:spPr/>
+        <p:txBody>
+          <a:bodyPr/>
+          <a:lstStyle/>
+          <a:p>
+            <a:r>
+              <a:rPr lang="fr-CH" dirty="0"/>
+              <a:t>Prévisionnel</a:t>
+            </a:r>
+          </a:p>
+        </p:txBody>
       </p:sp>
       <p:sp>
         <p:nvSpPr>
-          <p:cNvPr id="22" name="Rectangle 21">
+          <p:cNvPr id="25" name="Espace réservé du contenu 24">
             <a:extLst>
               <a:ext uri="{FF2B5EF4-FFF2-40B4-BE49-F238E27FC236}">
-                <a16:creationId xmlns:a16="http://schemas.microsoft.com/office/drawing/2014/main" id="{593ACC25-C262-417A-8AA9-0641C772BDB6}"/>
-              </a:ext>
-              <a:ext uri="{C183D7F6-B498-43B3-948B-1728B52AA6E4}">
-                <adec:decorative xmlns:adec="http://schemas.microsoft.com/office/drawing/2017/decorative" val="1"/>
+                <a16:creationId xmlns:a16="http://schemas.microsoft.com/office/drawing/2014/main" id="{EB425F36-D5AB-7331-D96E-0DF4E4FC6C7F}"/>
               </a:ext>
             </a:extLst>
           </p:cNvPr>
           <p:cNvSpPr>
-            <a:spLocks noGrp="1" noRot="1" noChangeAspect="1" noMove="1" noResize="1" noEditPoints="1" noAdjustHandles="1" noChangeArrowheads="1" noChangeShapeType="1" noTextEdit="1"/>
+            <a:spLocks noGrp="1"/>
           </p:cNvSpPr>
           <p:nvPr>
-            <p:extLst>
-              <p:ext uri="{386F3935-93C4-4BCD-93E2-E3B085C9AB24}">
-                <p16:designElem xmlns:p16="http://schemas.microsoft.com/office/powerpoint/2015/main" val="1"/>
-              </p:ext>
-            </p:extLst>
+            <p:ph sz="half" idx="2"/>
           </p:nvPr>
         </p:nvSpPr>
-        <p:spPr>
-          <a:xfrm>
-            <a:off x="1" y="6400800"/>
-            <a:ext cx="12192000" cy="457200"/>
-          </a:xfrm>
-          <a:prstGeom prst="rect">
-            <a:avLst/>
-          </a:prstGeom>
-          <a:solidFill>
-            <a:schemeClr val="accent2"/>
-          </a:solidFill>
-          <a:ln>
-            <a:noFill/>
-          </a:ln>
-        </p:spPr>
-        <p:style>
-          <a:lnRef idx="2">
-            <a:schemeClr val="accent1">
-              <a:shade val="50000"/>
-            </a:schemeClr>
-          </a:lnRef>
-          <a:fillRef idx="1">
-            <a:schemeClr val="accent1"/>
-          </a:fillRef>
-          <a:effectRef idx="0">
-            <a:schemeClr val="accent1"/>
-          </a:effectRef>
-          <a:fontRef idx="minor">
-            <a:schemeClr val="lt1"/>
-          </a:fontRef>
-        </p:style>
+        <p:spPr/>
+        <p:txBody>
+          <a:bodyPr/>
+          <a:lstStyle/>
+          <a:p>
+            <a:r>
+              <a:rPr lang="fr-CH" dirty="0"/>
+              <a:t>Effectif</a:t>
+            </a:r>
+          </a:p>
+        </p:txBody>
       </p:sp>
       <p:sp>
         <p:nvSpPr>
@@ -52754,32 +52370,13 @@
             <p:ph type="ftr" sz="quarter" idx="11"/>
           </p:nvPr>
         </p:nvSpPr>
-        <p:spPr>
-          <a:xfrm>
-            <a:off x="3686185" y="6459785"/>
-            <a:ext cx="4822804" cy="365125"/>
-          </a:xfrm>
-        </p:spPr>
+        <p:spPr/>
         <p:txBody>
-          <a:bodyPr vert="horz" lIns="91440" tIns="45720" rIns="91440" bIns="45720" rtlCol="0" anchor="ctr">
-            <a:normAutofit/>
-          </a:bodyPr>
+          <a:bodyPr/>
           <a:lstStyle/>
           <a:p>
-            <a:pPr defTabSz="914400">
-              <a:spcAft>
-                <a:spcPts val="600"/>
-              </a:spcAft>
-            </a:pPr>
-            <a:r>
-              <a:rPr lang="en-US" kern="1200" cap="all" baseline="0">
-                <a:solidFill>
-                  <a:srgbClr val="FFFFFF"/>
-                </a:solidFill>
-                <a:latin typeface="+mn-lt"/>
-                <a:ea typeface="+mn-ea"/>
-                <a:cs typeface="+mn-cs"/>
-              </a:rPr>
+            <a:r>
+              <a:rPr lang="en-US"/>
               <a:t>Almeida Costa Lucas - Eatfit</a:t>
             </a:r>
           </a:p>
@@ -52801,30 +52398,14 @@
             <p:ph type="sldNum" sz="quarter" idx="12"/>
           </p:nvPr>
         </p:nvSpPr>
-        <p:spPr>
-          <a:xfrm>
-            <a:off x="9900458" y="6459785"/>
-            <a:ext cx="1312025" cy="365125"/>
-          </a:xfrm>
-        </p:spPr>
+        <p:spPr/>
         <p:txBody>
-          <a:bodyPr vert="horz" lIns="91440" tIns="45720" rIns="91440" bIns="45720" rtlCol="0" anchor="ctr">
-            <a:normAutofit/>
-          </a:bodyPr>
+          <a:bodyPr/>
           <a:lstStyle/>
           <a:p>
-            <a:pPr defTabSz="914400">
-              <a:spcAft>
-                <a:spcPts val="600"/>
-              </a:spcAft>
-            </a:pPr>
             <a:fld id="{D57F1E4F-1CFF-5643-939E-217C01CDF565}" type="slidenum">
               <a:rPr lang="en-US" smtClean="0"/>
-              <a:pPr defTabSz="914400">
-                <a:spcAft>
-                  <a:spcPts val="600"/>
-                </a:spcAft>
-              </a:pPr>
+              <a:pPr/>
               <a:t>15</a:t>
             </a:fld>
             <a:endParaRPr lang="en-US"/>
@@ -52833,10 +52414,40 @@
       </p:sp>
       <p:pic>
         <p:nvPicPr>
-          <p:cNvPr id="13" name="Image 12">
+          <p:cNvPr id="21" name="Image 20">
             <a:extLst>
               <a:ext uri="{FF2B5EF4-FFF2-40B4-BE49-F238E27FC236}">
-                <a16:creationId xmlns:a16="http://schemas.microsoft.com/office/drawing/2014/main" id="{E0A33254-7BFD-DA6D-5FBB-804CDAC80EB5}"/>
+                <a16:creationId xmlns:a16="http://schemas.microsoft.com/office/drawing/2014/main" id="{BB634F68-7C4C-A63F-948E-2BE5F14705EE}"/>
+              </a:ext>
+            </a:extLst>
+          </p:cNvPr>
+          <p:cNvPicPr>
+            <a:picLocks noChangeAspect="1"/>
+          </p:cNvPicPr>
+          <p:nvPr/>
+        </p:nvPicPr>
+        <p:blipFill>
+          <a:blip r:embed="rId3"/>
+          <a:stretch>
+            <a:fillRect/>
+          </a:stretch>
+        </p:blipFill>
+        <p:spPr>
+          <a:xfrm>
+            <a:off x="484184" y="4737476"/>
+            <a:ext cx="5411031" cy="573731"/>
+          </a:xfrm>
+          <a:prstGeom prst="rect">
+            <a:avLst/>
+          </a:prstGeom>
+        </p:spPr>
+      </p:pic>
+      <p:pic>
+        <p:nvPicPr>
+          <p:cNvPr id="26" name="Image 25">
+            <a:extLst>
+              <a:ext uri="{FF2B5EF4-FFF2-40B4-BE49-F238E27FC236}">
+                <a16:creationId xmlns:a16="http://schemas.microsoft.com/office/drawing/2014/main" id="{4396D4F3-3CF5-B85F-0F6F-F65EF633202A}"/>
               </a:ext>
             </a:extLst>
           </p:cNvPr>
@@ -52853,8 +52464,8 @@
         </p:blipFill>
         <p:spPr>
           <a:xfrm>
-            <a:off x="3982696" y="275558"/>
-            <a:ext cx="3932562" cy="5023047"/>
+            <a:off x="6156963" y="4718486"/>
+            <a:ext cx="5960641" cy="573731"/>
           </a:xfrm>
           <a:prstGeom prst="rect">
             <a:avLst/>
@@ -52863,10 +52474,10 @@
       </p:pic>
       <p:pic>
         <p:nvPicPr>
-          <p:cNvPr id="21" name="Image 20">
+          <p:cNvPr id="7" name="Image 6">
             <a:extLst>
               <a:ext uri="{FF2B5EF4-FFF2-40B4-BE49-F238E27FC236}">
-                <a16:creationId xmlns:a16="http://schemas.microsoft.com/office/drawing/2014/main" id="{BB634F68-7C4C-A63F-948E-2BE5F14705EE}"/>
+                <a16:creationId xmlns:a16="http://schemas.microsoft.com/office/drawing/2014/main" id="{F5C5154F-20D2-AE9F-169C-33D596C19177}"/>
               </a:ext>
             </a:extLst>
           </p:cNvPr>
@@ -52883,90 +52494,20 @@
         </p:blipFill>
         <p:spPr>
           <a:xfrm>
-            <a:off x="296511" y="5329714"/>
-            <a:ext cx="3190743" cy="343751"/>
+            <a:off x="484185" y="2331197"/>
+            <a:ext cx="5411031" cy="573731"/>
           </a:xfrm>
           <a:prstGeom prst="rect">
             <a:avLst/>
           </a:prstGeom>
         </p:spPr>
       </p:pic>
-      <p:sp>
-        <p:nvSpPr>
-          <p:cNvPr id="23" name="ZoneTexte 22">
+      <p:pic>
+        <p:nvPicPr>
+          <p:cNvPr id="28" name="Image 27">
             <a:extLst>
               <a:ext uri="{FF2B5EF4-FFF2-40B4-BE49-F238E27FC236}">
-                <a16:creationId xmlns:a16="http://schemas.microsoft.com/office/drawing/2014/main" id="{50E88E03-AADB-E3DC-1477-25BC44EF3C7A}"/>
-              </a:ext>
-            </a:extLst>
-          </p:cNvPr>
-          <p:cNvSpPr txBox="1"/>
-          <p:nvPr/>
-        </p:nvSpPr>
-        <p:spPr>
-          <a:xfrm>
-            <a:off x="341043" y="5779080"/>
-            <a:ext cx="1548717" cy="369332"/>
-          </a:xfrm>
-          <a:prstGeom prst="rect">
-            <a:avLst/>
-          </a:prstGeom>
-          <a:noFill/>
-        </p:spPr>
-        <p:txBody>
-          <a:bodyPr wrap="square" rtlCol="0">
-            <a:spAutoFit/>
-          </a:bodyPr>
-          <a:lstStyle/>
-          <a:p>
-            <a:r>
-              <a:rPr lang="fr-CH" dirty="0"/>
-              <a:t>Prévisionnel</a:t>
-            </a:r>
-          </a:p>
-        </p:txBody>
-      </p:sp>
-      <p:sp>
-        <p:nvSpPr>
-          <p:cNvPr id="24" name="ZoneTexte 23">
-            <a:extLst>
-              <a:ext uri="{FF2B5EF4-FFF2-40B4-BE49-F238E27FC236}">
-                <a16:creationId xmlns:a16="http://schemas.microsoft.com/office/drawing/2014/main" id="{FECD8290-BF9B-156D-67D2-0FDB428395D5}"/>
-              </a:ext>
-            </a:extLst>
-          </p:cNvPr>
-          <p:cNvSpPr txBox="1"/>
-          <p:nvPr/>
-        </p:nvSpPr>
-        <p:spPr>
-          <a:xfrm>
-            <a:off x="3982696" y="5774790"/>
-            <a:ext cx="1548717" cy="369332"/>
-          </a:xfrm>
-          <a:prstGeom prst="rect">
-            <a:avLst/>
-          </a:prstGeom>
-          <a:noFill/>
-        </p:spPr>
-        <p:txBody>
-          <a:bodyPr wrap="square" rtlCol="0">
-            <a:spAutoFit/>
-          </a:bodyPr>
-          <a:lstStyle/>
-          <a:p>
-            <a:r>
-              <a:rPr lang="fr-CH" dirty="0"/>
-              <a:t>Effectif</a:t>
-            </a:r>
-          </a:p>
-        </p:txBody>
-      </p:sp>
-      <p:pic>
-        <p:nvPicPr>
-          <p:cNvPr id="26" name="Image 25">
-            <a:extLst>
-              <a:ext uri="{FF2B5EF4-FFF2-40B4-BE49-F238E27FC236}">
-                <a16:creationId xmlns:a16="http://schemas.microsoft.com/office/drawing/2014/main" id="{4396D4F3-3CF5-B85F-0F6F-F65EF633202A}"/>
+                <a16:creationId xmlns:a16="http://schemas.microsoft.com/office/drawing/2014/main" id="{FC7E31B2-566D-86BC-15DA-606A11A00CAE}"/>
               </a:ext>
             </a:extLst>
           </p:cNvPr>
@@ -52983,8 +52524,68 @@
         </p:blipFill>
         <p:spPr>
           <a:xfrm>
-            <a:off x="3982697" y="5301082"/>
-            <a:ext cx="3932561" cy="343752"/>
+            <a:off x="6156963" y="2328050"/>
+            <a:ext cx="5897157" cy="576878"/>
+          </a:xfrm>
+          <a:prstGeom prst="rect">
+            <a:avLst/>
+          </a:prstGeom>
+        </p:spPr>
+      </p:pic>
+      <p:pic>
+        <p:nvPicPr>
+          <p:cNvPr id="32" name="Image 31">
+            <a:extLst>
+              <a:ext uri="{FF2B5EF4-FFF2-40B4-BE49-F238E27FC236}">
+                <a16:creationId xmlns:a16="http://schemas.microsoft.com/office/drawing/2014/main" id="{D01D2D16-B1A1-C120-7614-A21F4F779BA8}"/>
+              </a:ext>
+            </a:extLst>
+          </p:cNvPr>
+          <p:cNvPicPr>
+            <a:picLocks noChangeAspect="1"/>
+          </p:cNvPicPr>
+          <p:nvPr/>
+        </p:nvPicPr>
+        <p:blipFill>
+          <a:blip r:embed="rId7"/>
+          <a:stretch>
+            <a:fillRect/>
+          </a:stretch>
+        </p:blipFill>
+        <p:spPr>
+          <a:xfrm>
+            <a:off x="484184" y="3666207"/>
+            <a:ext cx="5411031" cy="573731"/>
+          </a:xfrm>
+          <a:prstGeom prst="rect">
+            <a:avLst/>
+          </a:prstGeom>
+        </p:spPr>
+      </p:pic>
+      <p:pic>
+        <p:nvPicPr>
+          <p:cNvPr id="34" name="Image 33">
+            <a:extLst>
+              <a:ext uri="{FF2B5EF4-FFF2-40B4-BE49-F238E27FC236}">
+                <a16:creationId xmlns:a16="http://schemas.microsoft.com/office/drawing/2014/main" id="{DAE6362E-9E85-CB57-0A10-1FF78E5E4678}"/>
+              </a:ext>
+            </a:extLst>
+          </p:cNvPr>
+          <p:cNvPicPr>
+            <a:picLocks noChangeAspect="1"/>
+          </p:cNvPicPr>
+          <p:nvPr/>
+        </p:nvPicPr>
+        <p:blipFill>
+          <a:blip r:embed="rId8"/>
+          <a:stretch>
+            <a:fillRect/>
+          </a:stretch>
+        </p:blipFill>
+        <p:spPr>
+          <a:xfrm>
+            <a:off x="6156963" y="3689646"/>
+            <a:ext cx="5897157" cy="550292"/>
           </a:xfrm>
           <a:prstGeom prst="rect">
             <a:avLst/>
@@ -58362,7 +57963,7 @@
           <p:nvPr>
             <p:extLst>
               <p:ext uri="{D42A27DB-BD31-4B8C-83A1-F6EECF244321}">
-                <p14:modId xmlns:p14="http://schemas.microsoft.com/office/powerpoint/2010/main" val="301148161"/>
+                <p14:modId xmlns:p14="http://schemas.microsoft.com/office/powerpoint/2010/main" val="4280836601"/>
               </p:ext>
             </p:extLst>
           </p:nvPr>
@@ -59814,7 +59415,7 @@
           <p:nvPr>
             <p:extLst>
               <p:ext uri="{D42A27DB-BD31-4B8C-83A1-F6EECF244321}">
-                <p14:modId xmlns:p14="http://schemas.microsoft.com/office/powerpoint/2010/main" val="2928264319"/>
+                <p14:modId xmlns:p14="http://schemas.microsoft.com/office/powerpoint/2010/main" val="763953311"/>
               </p:ext>
             </p:extLst>
           </p:nvPr>
